--- a/classes/prog2015/Lecture19.pptx
+++ b/classes/prog2015/Lecture19.pptx
@@ -5,29 +5,30 @@
     <p:sldMasterId id="2147483648" r:id="rId1"/>
   </p:sldMasterIdLst>
   <p:notesMasterIdLst>
-    <p:notesMasterId r:id="rId22"/>
+    <p:notesMasterId r:id="rId23"/>
   </p:notesMasterIdLst>
   <p:sldIdLst>
     <p:sldId id="283" r:id="rId2"/>
-    <p:sldId id="284" r:id="rId3"/>
-    <p:sldId id="260" r:id="rId4"/>
-    <p:sldId id="261" r:id="rId5"/>
-    <p:sldId id="262" r:id="rId6"/>
-    <p:sldId id="264" r:id="rId7"/>
-    <p:sldId id="270" r:id="rId8"/>
-    <p:sldId id="271" r:id="rId9"/>
-    <p:sldId id="272" r:id="rId10"/>
-    <p:sldId id="273" r:id="rId11"/>
-    <p:sldId id="279" r:id="rId12"/>
-    <p:sldId id="280" r:id="rId13"/>
-    <p:sldId id="281" r:id="rId14"/>
-    <p:sldId id="282" r:id="rId15"/>
-    <p:sldId id="268" r:id="rId16"/>
-    <p:sldId id="274" r:id="rId17"/>
-    <p:sldId id="265" r:id="rId18"/>
-    <p:sldId id="266" r:id="rId19"/>
-    <p:sldId id="267" r:id="rId20"/>
-    <p:sldId id="275" r:id="rId21"/>
+    <p:sldId id="285" r:id="rId3"/>
+    <p:sldId id="284" r:id="rId4"/>
+    <p:sldId id="260" r:id="rId5"/>
+    <p:sldId id="261" r:id="rId6"/>
+    <p:sldId id="262" r:id="rId7"/>
+    <p:sldId id="264" r:id="rId8"/>
+    <p:sldId id="270" r:id="rId9"/>
+    <p:sldId id="271" r:id="rId10"/>
+    <p:sldId id="272" r:id="rId11"/>
+    <p:sldId id="273" r:id="rId12"/>
+    <p:sldId id="279" r:id="rId13"/>
+    <p:sldId id="280" r:id="rId14"/>
+    <p:sldId id="281" r:id="rId15"/>
+    <p:sldId id="282" r:id="rId16"/>
+    <p:sldId id="268" r:id="rId17"/>
+    <p:sldId id="274" r:id="rId18"/>
+    <p:sldId id="265" r:id="rId19"/>
+    <p:sldId id="266" r:id="rId20"/>
+    <p:sldId id="267" r:id="rId21"/>
+    <p:sldId id="275" r:id="rId22"/>
   </p:sldIdLst>
   <p:sldSz cx="9144000" cy="6858000" type="screen4x3"/>
   <p:notesSz cx="6858000" cy="9144000"/>
@@ -546,7 +547,7 @@
             <a:fld id="{216C0C90-E336-4F34-92CB-BE4D3A49E573}" type="slidenum">
               <a:rPr lang="en-US" smtClean="0"/>
               <a:pPr/>
-              <a:t>3</a:t>
+              <a:t>4</a:t>
             </a:fld>
             <a:endParaRPr lang="en-US"/>
           </a:p>
@@ -628,7 +629,7 @@
             <a:fld id="{216C0C90-E336-4F34-92CB-BE4D3A49E573}" type="slidenum">
               <a:rPr lang="en-US" smtClean="0"/>
               <a:pPr/>
-              <a:t>16</a:t>
+              <a:t>17</a:t>
             </a:fld>
             <a:endParaRPr lang="en-US"/>
           </a:p>
@@ -710,7 +711,7 @@
             <a:fld id="{216C0C90-E336-4F34-92CB-BE4D3A49E573}" type="slidenum">
               <a:rPr lang="en-US" smtClean="0"/>
               <a:pPr/>
-              <a:t>17</a:t>
+              <a:t>18</a:t>
             </a:fld>
             <a:endParaRPr lang="en-US"/>
           </a:p>
@@ -792,7 +793,7 @@
             <a:fld id="{216C0C90-E336-4F34-92CB-BE4D3A49E573}" type="slidenum">
               <a:rPr lang="en-US" smtClean="0"/>
               <a:pPr/>
-              <a:t>18</a:t>
+              <a:t>19</a:t>
             </a:fld>
             <a:endParaRPr lang="en-US"/>
           </a:p>
@@ -874,7 +875,7 @@
             <a:fld id="{216C0C90-E336-4F34-92CB-BE4D3A49E573}" type="slidenum">
               <a:rPr lang="en-US" smtClean="0"/>
               <a:pPr/>
-              <a:t>19</a:t>
+              <a:t>20</a:t>
             </a:fld>
             <a:endParaRPr lang="en-US"/>
           </a:p>
@@ -956,7 +957,7 @@
             <a:fld id="{216C0C90-E336-4F34-92CB-BE4D3A49E573}" type="slidenum">
               <a:rPr lang="en-US" smtClean="0"/>
               <a:pPr/>
-              <a:t>20</a:t>
+              <a:t>21</a:t>
             </a:fld>
             <a:endParaRPr lang="en-US"/>
           </a:p>
@@ -1038,7 +1039,7 @@
             <a:fld id="{216C0C90-E336-4F34-92CB-BE4D3A49E573}" type="slidenum">
               <a:rPr lang="en-US" smtClean="0"/>
               <a:pPr/>
-              <a:t>4</a:t>
+              <a:t>5</a:t>
             </a:fld>
             <a:endParaRPr lang="en-US"/>
           </a:p>
@@ -1120,7 +1121,7 @@
             <a:fld id="{216C0C90-E336-4F34-92CB-BE4D3A49E573}" type="slidenum">
               <a:rPr lang="en-US" smtClean="0"/>
               <a:pPr/>
-              <a:t>5</a:t>
+              <a:t>6</a:t>
             </a:fld>
             <a:endParaRPr lang="en-US"/>
           </a:p>
@@ -1202,7 +1203,7 @@
             <a:fld id="{216C0C90-E336-4F34-92CB-BE4D3A49E573}" type="slidenum">
               <a:rPr lang="en-US" smtClean="0"/>
               <a:pPr/>
-              <a:t>6</a:t>
+              <a:t>7</a:t>
             </a:fld>
             <a:endParaRPr lang="en-US"/>
           </a:p>
@@ -1284,7 +1285,7 @@
             <a:fld id="{216C0C90-E336-4F34-92CB-BE4D3A49E573}" type="slidenum">
               <a:rPr lang="en-US" smtClean="0"/>
               <a:pPr/>
-              <a:t>7</a:t>
+              <a:t>8</a:t>
             </a:fld>
             <a:endParaRPr lang="en-US"/>
           </a:p>
@@ -1366,7 +1367,7 @@
             <a:fld id="{216C0C90-E336-4F34-92CB-BE4D3A49E573}" type="slidenum">
               <a:rPr lang="en-US" smtClean="0"/>
               <a:pPr/>
-              <a:t>8</a:t>
+              <a:t>9</a:t>
             </a:fld>
             <a:endParaRPr lang="en-US"/>
           </a:p>
@@ -1448,7 +1449,7 @@
             <a:fld id="{216C0C90-E336-4F34-92CB-BE4D3A49E573}" type="slidenum">
               <a:rPr lang="en-US" smtClean="0"/>
               <a:pPr/>
-              <a:t>9</a:t>
+              <a:t>10</a:t>
             </a:fld>
             <a:endParaRPr lang="en-US"/>
           </a:p>
@@ -1530,7 +1531,7 @@
             <a:fld id="{216C0C90-E336-4F34-92CB-BE4D3A49E573}" type="slidenum">
               <a:rPr lang="en-US" smtClean="0"/>
               <a:pPr/>
-              <a:t>10</a:t>
+              <a:t>11</a:t>
             </a:fld>
             <a:endParaRPr lang="en-US"/>
           </a:p>
@@ -1612,7 +1613,7 @@
             <a:fld id="{216C0C90-E336-4F34-92CB-BE4D3A49E573}" type="slidenum">
               <a:rPr lang="en-US" smtClean="0"/>
               <a:pPr/>
-              <a:t>15</a:t>
+              <a:t>16</a:t>
             </a:fld>
             <a:endParaRPr lang="en-US"/>
           </a:p>
@@ -4613,10 +4614,81 @@
   <p:clrMapOvr>
     <a:masterClrMapping/>
   </p:clrMapOvr>
+  <p:timing>
+    <p:tnLst>
+      <p:par>
+        <p:cTn id="1" dur="indefinite" restart="never" nodeType="tmRoot"/>
+      </p:par>
+    </p:tnLst>
+  </p:timing>
 </p:sld>
 </file>
 
 <file path=ppt/slides/slide10.xml><?xml version="1.0" encoding="utf-8"?>
+<p:sld xmlns:a="http://schemas.openxmlformats.org/drawingml/2006/main" xmlns:r="http://schemas.openxmlformats.org/officeDocument/2006/relationships" xmlns:p="http://schemas.openxmlformats.org/presentationml/2006/main">
+  <p:cSld>
+    <p:spTree>
+      <p:nvGrpSpPr>
+        <p:cNvPr id="1" name=""/>
+        <p:cNvGrpSpPr/>
+        <p:nvPr/>
+      </p:nvGrpSpPr>
+      <p:grpSpPr>
+        <a:xfrm>
+          <a:off x="0" y="0"/>
+          <a:ext cx="0" cy="0"/>
+          <a:chOff x="0" y="0"/>
+          <a:chExt cx="0" cy="0"/>
+        </a:xfrm>
+      </p:grpSpPr>
+      <p:pic>
+        <p:nvPicPr>
+          <p:cNvPr id="5123" name="Picture 3"/>
+          <p:cNvPicPr>
+            <a:picLocks noChangeAspect="1" noChangeArrowheads="1"/>
+          </p:cNvPicPr>
+          <p:nvPr/>
+        </p:nvPicPr>
+        <p:blipFill>
+          <a:blip r:embed="rId3" cstate="print"/>
+          <a:srcRect/>
+          <a:stretch>
+            <a:fillRect/>
+          </a:stretch>
+        </p:blipFill>
+        <p:spPr bwMode="auto">
+          <a:xfrm>
+            <a:off x="0" y="304800"/>
+            <a:ext cx="9144000" cy="6013991"/>
+          </a:xfrm>
+          <a:prstGeom prst="rect">
+            <a:avLst/>
+          </a:prstGeom>
+          <a:noFill/>
+          <a:ln w="9525">
+            <a:noFill/>
+            <a:miter lim="800000"/>
+            <a:headEnd/>
+            <a:tailEnd/>
+          </a:ln>
+        </p:spPr>
+      </p:pic>
+    </p:spTree>
+  </p:cSld>
+  <p:clrMapOvr>
+    <a:masterClrMapping/>
+  </p:clrMapOvr>
+  <p:timing>
+    <p:tnLst>
+      <p:par>
+        <p:cTn id="1" dur="indefinite" restart="never" nodeType="tmRoot"/>
+      </p:par>
+    </p:tnLst>
+  </p:timing>
+</p:sld>
+</file>
+
+<file path=ppt/slides/slide11.xml><?xml version="1.0" encoding="utf-8"?>
 <p:sld xmlns:a="http://schemas.openxmlformats.org/drawingml/2006/main" xmlns:r="http://schemas.openxmlformats.org/officeDocument/2006/relationships" xmlns:p="http://schemas.openxmlformats.org/presentationml/2006/main">
   <p:cSld>
     <p:spTree>
@@ -4708,97 +4780,13 @@
   <p:clrMapOvr>
     <a:masterClrMapping/>
   </p:clrMapOvr>
-</p:sld>
-</file>
-
-<file path=ppt/slides/slide11.xml><?xml version="1.0" encoding="utf-8"?>
-<p:sld xmlns:a="http://schemas.openxmlformats.org/drawingml/2006/main" xmlns:r="http://schemas.openxmlformats.org/officeDocument/2006/relationships" xmlns:p="http://schemas.openxmlformats.org/presentationml/2006/main">
-  <p:cSld>
-    <p:spTree>
-      <p:nvGrpSpPr>
-        <p:cNvPr id="1" name=""/>
-        <p:cNvGrpSpPr/>
-        <p:nvPr/>
-      </p:nvGrpSpPr>
-      <p:grpSpPr>
-        <a:xfrm>
-          <a:off x="0" y="0"/>
-          <a:ext cx="0" cy="0"/>
-          <a:chOff x="0" y="0"/>
-          <a:chExt cx="0" cy="0"/>
-        </a:xfrm>
-      </p:grpSpPr>
-      <p:sp>
-        <p:nvSpPr>
-          <p:cNvPr id="4" name="TextBox 3"/>
-          <p:cNvSpPr txBox="1"/>
-          <p:nvPr/>
-        </p:nvSpPr>
-        <p:spPr>
-          <a:xfrm>
-            <a:off x="838200" y="152400"/>
-            <a:ext cx="4060599" cy="369332"/>
-          </a:xfrm>
-          <a:prstGeom prst="rect">
-            <a:avLst/>
-          </a:prstGeom>
-          <a:noFill/>
-        </p:spPr>
-        <p:txBody>
-          <a:bodyPr wrap="none" rtlCol="0">
-            <a:spAutoFit/>
-          </a:bodyPr>
-          <a:lstStyle/>
-          <a:p>
-            <a:r>
-              <a:rPr lang="en-US" dirty="0" smtClean="0"/>
-              <a:t>lock() works the </a:t>
-            </a:r>
-            <a:r>
-              <a:rPr lang="en-US" smtClean="0"/>
-              <a:t>way synchronized does…</a:t>
-            </a:r>
-            <a:endParaRPr lang="en-US"/>
-          </a:p>
-        </p:txBody>
-      </p:sp>
-      <p:pic>
-        <p:nvPicPr>
-          <p:cNvPr id="1027" name="Picture 3"/>
-          <p:cNvPicPr>
-            <a:picLocks noChangeAspect="1" noChangeArrowheads="1"/>
-          </p:cNvPicPr>
-          <p:nvPr/>
-        </p:nvPicPr>
-        <p:blipFill>
-          <a:blip r:embed="rId2" cstate="print"/>
-          <a:srcRect/>
-          <a:stretch>
-            <a:fillRect/>
-          </a:stretch>
-        </p:blipFill>
-        <p:spPr bwMode="auto">
-          <a:xfrm>
-            <a:off x="152400" y="1752600"/>
-            <a:ext cx="8499669" cy="2895600"/>
-          </a:xfrm>
-          <a:prstGeom prst="rect">
-            <a:avLst/>
-          </a:prstGeom>
-          <a:noFill/>
-          <a:ln w="9525">
-            <a:noFill/>
-            <a:miter lim="800000"/>
-            <a:headEnd/>
-            <a:tailEnd/>
-          </a:ln>
-        </p:spPr>
-      </p:pic>
-    </p:spTree>
-  </p:cSld>
-  <p:clrMapOvr>
-    <a:masterClrMapping/>
-  </p:clrMapOvr>
+  <p:timing>
+    <p:tnLst>
+      <p:par>
+        <p:cTn id="1" dur="indefinite" restart="never" nodeType="tmRoot"/>
+      </p:par>
+    </p:tnLst>
+  </p:timing>
 </p:sld>
 </file>
 
@@ -4827,8 +4815,8 @@
         </p:nvSpPr>
         <p:spPr>
           <a:xfrm>
-            <a:off x="228600" y="0"/>
-            <a:ext cx="6459461" cy="646331"/>
+            <a:off x="838200" y="152400"/>
+            <a:ext cx="4060599" cy="369332"/>
           </a:xfrm>
           <a:prstGeom prst="rect">
             <a:avLst/>
@@ -4843,25 +4831,19 @@
           <a:p>
             <a:r>
               <a:rPr lang="en-US" dirty="0" smtClean="0"/>
-              <a:t>When a thread is waiting for a lock, there is no way to interrupt it…</a:t>
-            </a:r>
-          </a:p>
-          <a:p>
-            <a:r>
-              <a:rPr lang="en-US" dirty="0" err="1" smtClean="0"/>
-              <a:t>ReentrantLock</a:t>
-            </a:r>
-            <a:r>
-              <a:rPr lang="en-US" dirty="0" smtClean="0"/>
-              <a:t>  offers an interruptible lock </a:t>
-            </a:r>
-            <a:endParaRPr lang="en-US" dirty="0"/>
+              <a:t>lock() works the </a:t>
+            </a:r>
+            <a:r>
+              <a:rPr lang="en-US" smtClean="0"/>
+              <a:t>way synchronized does…</a:t>
+            </a:r>
+            <a:endParaRPr lang="en-US"/>
           </a:p>
         </p:txBody>
       </p:sp>
       <p:pic>
         <p:nvPicPr>
-          <p:cNvPr id="2050" name="Picture 2"/>
+          <p:cNvPr id="1027" name="Picture 3"/>
           <p:cNvPicPr>
             <a:picLocks noChangeAspect="1" noChangeArrowheads="1"/>
           </p:cNvPicPr>
@@ -4876,8 +4858,8 @@
         </p:blipFill>
         <p:spPr bwMode="auto">
           <a:xfrm>
-            <a:off x="381000" y="685800"/>
-            <a:ext cx="7653337" cy="5806872"/>
+            <a:off x="152400" y="1752600"/>
+            <a:ext cx="8499669" cy="2895600"/>
           </a:xfrm>
           <a:prstGeom prst="rect">
             <a:avLst/>
@@ -4896,6 +4878,13 @@
   <p:clrMapOvr>
     <a:masterClrMapping/>
   </p:clrMapOvr>
+  <p:timing>
+    <p:tnLst>
+      <p:par>
+        <p:cTn id="1" dur="indefinite" restart="never" nodeType="tmRoot"/>
+      </p:par>
+    </p:tnLst>
+  </p:timing>
 </p:sld>
 </file>
 
@@ -4924,6 +4913,110 @@
         </p:nvSpPr>
         <p:spPr>
           <a:xfrm>
+            <a:off x="228600" y="0"/>
+            <a:ext cx="6459461" cy="646331"/>
+          </a:xfrm>
+          <a:prstGeom prst="rect">
+            <a:avLst/>
+          </a:prstGeom>
+          <a:noFill/>
+        </p:spPr>
+        <p:txBody>
+          <a:bodyPr wrap="none" rtlCol="0">
+            <a:spAutoFit/>
+          </a:bodyPr>
+          <a:lstStyle/>
+          <a:p>
+            <a:r>
+              <a:rPr lang="en-US" dirty="0" smtClean="0"/>
+              <a:t>When a thread is waiting for a lock, there is no way to interrupt it…</a:t>
+            </a:r>
+          </a:p>
+          <a:p>
+            <a:r>
+              <a:rPr lang="en-US" dirty="0" err="1" smtClean="0"/>
+              <a:t>ReentrantLock</a:t>
+            </a:r>
+            <a:r>
+              <a:rPr lang="en-US" dirty="0" smtClean="0"/>
+              <a:t>  offers an interruptible lock </a:t>
+            </a:r>
+            <a:endParaRPr lang="en-US" dirty="0"/>
+          </a:p>
+        </p:txBody>
+      </p:sp>
+      <p:pic>
+        <p:nvPicPr>
+          <p:cNvPr id="2050" name="Picture 2"/>
+          <p:cNvPicPr>
+            <a:picLocks noChangeAspect="1" noChangeArrowheads="1"/>
+          </p:cNvPicPr>
+          <p:nvPr/>
+        </p:nvPicPr>
+        <p:blipFill>
+          <a:blip r:embed="rId2" cstate="print"/>
+          <a:srcRect/>
+          <a:stretch>
+            <a:fillRect/>
+          </a:stretch>
+        </p:blipFill>
+        <p:spPr bwMode="auto">
+          <a:xfrm>
+            <a:off x="381000" y="685800"/>
+            <a:ext cx="7653337" cy="5806872"/>
+          </a:xfrm>
+          <a:prstGeom prst="rect">
+            <a:avLst/>
+          </a:prstGeom>
+          <a:noFill/>
+          <a:ln w="9525">
+            <a:noFill/>
+            <a:miter lim="800000"/>
+            <a:headEnd/>
+            <a:tailEnd/>
+          </a:ln>
+        </p:spPr>
+      </p:pic>
+    </p:spTree>
+  </p:cSld>
+  <p:clrMapOvr>
+    <a:masterClrMapping/>
+  </p:clrMapOvr>
+  <p:timing>
+    <p:tnLst>
+      <p:par>
+        <p:cTn id="1" dur="indefinite" restart="never" nodeType="tmRoot"/>
+      </p:par>
+    </p:tnLst>
+  </p:timing>
+</p:sld>
+</file>
+
+<file path=ppt/slides/slide14.xml><?xml version="1.0" encoding="utf-8"?>
+<p:sld xmlns:a="http://schemas.openxmlformats.org/drawingml/2006/main" xmlns:r="http://schemas.openxmlformats.org/officeDocument/2006/relationships" xmlns:p="http://schemas.openxmlformats.org/presentationml/2006/main">
+  <p:cSld>
+    <p:spTree>
+      <p:nvGrpSpPr>
+        <p:cNvPr id="1" name=""/>
+        <p:cNvGrpSpPr/>
+        <p:nvPr/>
+      </p:nvGrpSpPr>
+      <p:grpSpPr>
+        <a:xfrm>
+          <a:off x="0" y="0"/>
+          <a:ext cx="0" cy="0"/>
+          <a:chOff x="0" y="0"/>
+          <a:chExt cx="0" cy="0"/>
+        </a:xfrm>
+      </p:grpSpPr>
+      <p:sp>
+        <p:nvSpPr>
+          <p:cNvPr id="4" name="TextBox 3"/>
+          <p:cNvSpPr txBox="1"/>
+          <p:nvPr/>
+        </p:nvSpPr>
+        <p:spPr>
+          <a:xfrm>
             <a:off x="381000" y="152400"/>
             <a:ext cx="7002366" cy="923330"/>
           </a:xfrm>
@@ -4996,10 +5089,17 @@
   <p:clrMapOvr>
     <a:masterClrMapping/>
   </p:clrMapOvr>
+  <p:timing>
+    <p:tnLst>
+      <p:par>
+        <p:cTn id="1" dur="indefinite" restart="never" nodeType="tmRoot"/>
+      </p:par>
+    </p:tnLst>
+  </p:timing>
 </p:sld>
 </file>
 
-<file path=ppt/slides/slide14.xml><?xml version="1.0" encoding="utf-8"?>
+<file path=ppt/slides/slide15.xml><?xml version="1.0" encoding="utf-8"?>
 <p:sld xmlns:a="http://schemas.openxmlformats.org/drawingml/2006/main" xmlns:r="http://schemas.openxmlformats.org/officeDocument/2006/relationships" xmlns:p="http://schemas.openxmlformats.org/presentationml/2006/main">
   <p:cSld>
     <p:spTree>
@@ -5083,10 +5183,17 @@
   <p:clrMapOvr>
     <a:masterClrMapping/>
   </p:clrMapOvr>
+  <p:timing>
+    <p:tnLst>
+      <p:par>
+        <p:cTn id="1" dur="indefinite" restart="never" nodeType="tmRoot"/>
+      </p:par>
+    </p:tnLst>
+  </p:timing>
 </p:sld>
 </file>
 
-<file path=ppt/slides/slide15.xml><?xml version="1.0" encoding="utf-8"?>
+<file path=ppt/slides/slide16.xml><?xml version="1.0" encoding="utf-8"?>
 <p:sld xmlns:a="http://schemas.openxmlformats.org/drawingml/2006/main" xmlns:r="http://schemas.openxmlformats.org/officeDocument/2006/relationships" xmlns:p="http://schemas.openxmlformats.org/presentationml/2006/main">
   <p:cSld>
     <p:spTree>
@@ -5395,145 +5502,13 @@
   <p:clrMapOvr>
     <a:masterClrMapping/>
   </p:clrMapOvr>
-</p:sld>
-</file>
-
-<file path=ppt/slides/slide16.xml><?xml version="1.0" encoding="utf-8"?>
-<p:sld xmlns:a="http://schemas.openxmlformats.org/drawingml/2006/main" xmlns:r="http://schemas.openxmlformats.org/officeDocument/2006/relationships" xmlns:p="http://schemas.openxmlformats.org/presentationml/2006/main">
-  <p:cSld>
-    <p:spTree>
-      <p:nvGrpSpPr>
-        <p:cNvPr id="1" name=""/>
-        <p:cNvGrpSpPr/>
-        <p:nvPr/>
-      </p:nvGrpSpPr>
-      <p:grpSpPr>
-        <a:xfrm>
-          <a:off x="0" y="0"/>
-          <a:ext cx="0" cy="0"/>
-          <a:chOff x="0" y="0"/>
-          <a:chExt cx="0" cy="0"/>
-        </a:xfrm>
-      </p:grpSpPr>
-      <p:sp>
-        <p:nvSpPr>
-          <p:cNvPr id="4" name="TextBox 3"/>
-          <p:cNvSpPr txBox="1"/>
-          <p:nvPr/>
-        </p:nvSpPr>
-        <p:spPr>
-          <a:xfrm>
-            <a:off x="762000" y="228600"/>
-            <a:ext cx="6179577" cy="369332"/>
-          </a:xfrm>
-          <a:prstGeom prst="rect">
-            <a:avLst/>
-          </a:prstGeom>
-          <a:noFill/>
-        </p:spPr>
-        <p:txBody>
-          <a:bodyPr wrap="none" rtlCol="0">
-            <a:spAutoFit/>
-          </a:bodyPr>
-          <a:lstStyle/>
-          <a:p>
-            <a:r>
-              <a:rPr lang="en-US" dirty="0" smtClean="0"/>
-              <a:t>You might think </a:t>
-            </a:r>
-            <a:r>
-              <a:rPr lang="en-US" dirty="0" err="1" smtClean="0"/>
-              <a:t>ReentrantLock</a:t>
-            </a:r>
-            <a:r>
-              <a:rPr lang="en-US" dirty="0" smtClean="0"/>
-              <a:t> is slower than synchronized but…</a:t>
-            </a:r>
-            <a:endParaRPr lang="en-US" dirty="0"/>
-          </a:p>
-        </p:txBody>
-      </p:sp>
-      <p:pic>
-        <p:nvPicPr>
-          <p:cNvPr id="2050" name="Picture 2"/>
-          <p:cNvPicPr>
-            <a:picLocks noChangeAspect="1" noChangeArrowheads="1"/>
-          </p:cNvPicPr>
-          <p:nvPr/>
-        </p:nvPicPr>
-        <p:blipFill>
-          <a:blip r:embed="rId3" cstate="print"/>
-          <a:srcRect/>
-          <a:stretch>
-            <a:fillRect/>
-          </a:stretch>
-        </p:blipFill>
-        <p:spPr bwMode="auto">
-          <a:xfrm>
-            <a:off x="2133600" y="762000"/>
-            <a:ext cx="4648200" cy="3611469"/>
-          </a:xfrm>
-          <a:prstGeom prst="rect">
-            <a:avLst/>
-          </a:prstGeom>
-          <a:noFill/>
-          <a:ln w="9525">
-            <a:noFill/>
-            <a:miter lim="800000"/>
-            <a:headEnd/>
-            <a:tailEnd/>
-          </a:ln>
-        </p:spPr>
-      </p:pic>
-      <p:sp>
-        <p:nvSpPr>
-          <p:cNvPr id="6" name="TextBox 5"/>
-          <p:cNvSpPr txBox="1"/>
-          <p:nvPr/>
-        </p:nvSpPr>
-        <p:spPr>
-          <a:xfrm>
-            <a:off x="762000" y="4800600"/>
-            <a:ext cx="7678577" cy="646331"/>
-          </a:xfrm>
-          <a:prstGeom prst="rect">
-            <a:avLst/>
-          </a:prstGeom>
-          <a:noFill/>
-        </p:spPr>
-        <p:txBody>
-          <a:bodyPr wrap="none" rtlCol="0">
-            <a:spAutoFit/>
-          </a:bodyPr>
-          <a:lstStyle/>
-          <a:p>
-            <a:r>
-              <a:rPr lang="en-US" dirty="0" smtClean="0"/>
-              <a:t>The book argues to favor synchronized over </a:t>
-            </a:r>
-            <a:r>
-              <a:rPr lang="en-US" dirty="0" err="1" smtClean="0"/>
-              <a:t>ReentrantLock</a:t>
-            </a:r>
-            <a:r>
-              <a:rPr lang="en-US" dirty="0" smtClean="0"/>
-              <a:t> because it is simpler </a:t>
-            </a:r>
-          </a:p>
-          <a:p>
-            <a:r>
-              <a:rPr lang="en-US" dirty="0" smtClean="0"/>
-              <a:t>(you don’t have to manage the unlock in a finally block)</a:t>
-            </a:r>
-            <a:endParaRPr lang="en-US" dirty="0"/>
-          </a:p>
-        </p:txBody>
-      </p:sp>
-    </p:spTree>
-  </p:cSld>
-  <p:clrMapOvr>
-    <a:masterClrMapping/>
-  </p:clrMapOvr>
+  <p:timing>
+    <p:tnLst>
+      <p:par>
+        <p:cTn id="1" dur="indefinite" restart="never" nodeType="tmRoot"/>
+      </p:par>
+    </p:tnLst>
+  </p:timing>
 </p:sld>
 </file>
 
@@ -5562,6 +5537,152 @@
         </p:nvSpPr>
         <p:spPr>
           <a:xfrm>
+            <a:off x="762000" y="228600"/>
+            <a:ext cx="6179577" cy="369332"/>
+          </a:xfrm>
+          <a:prstGeom prst="rect">
+            <a:avLst/>
+          </a:prstGeom>
+          <a:noFill/>
+        </p:spPr>
+        <p:txBody>
+          <a:bodyPr wrap="none" rtlCol="0">
+            <a:spAutoFit/>
+          </a:bodyPr>
+          <a:lstStyle/>
+          <a:p>
+            <a:r>
+              <a:rPr lang="en-US" dirty="0" smtClean="0"/>
+              <a:t>You might think </a:t>
+            </a:r>
+            <a:r>
+              <a:rPr lang="en-US" dirty="0" err="1" smtClean="0"/>
+              <a:t>ReentrantLock</a:t>
+            </a:r>
+            <a:r>
+              <a:rPr lang="en-US" dirty="0" smtClean="0"/>
+              <a:t> is slower than synchronized but…</a:t>
+            </a:r>
+            <a:endParaRPr lang="en-US" dirty="0"/>
+          </a:p>
+        </p:txBody>
+      </p:sp>
+      <p:pic>
+        <p:nvPicPr>
+          <p:cNvPr id="2050" name="Picture 2"/>
+          <p:cNvPicPr>
+            <a:picLocks noChangeAspect="1" noChangeArrowheads="1"/>
+          </p:cNvPicPr>
+          <p:nvPr/>
+        </p:nvPicPr>
+        <p:blipFill>
+          <a:blip r:embed="rId3" cstate="print"/>
+          <a:srcRect/>
+          <a:stretch>
+            <a:fillRect/>
+          </a:stretch>
+        </p:blipFill>
+        <p:spPr bwMode="auto">
+          <a:xfrm>
+            <a:off x="2133600" y="762000"/>
+            <a:ext cx="4648200" cy="3611469"/>
+          </a:xfrm>
+          <a:prstGeom prst="rect">
+            <a:avLst/>
+          </a:prstGeom>
+          <a:noFill/>
+          <a:ln w="9525">
+            <a:noFill/>
+            <a:miter lim="800000"/>
+            <a:headEnd/>
+            <a:tailEnd/>
+          </a:ln>
+        </p:spPr>
+      </p:pic>
+      <p:sp>
+        <p:nvSpPr>
+          <p:cNvPr id="6" name="TextBox 5"/>
+          <p:cNvSpPr txBox="1"/>
+          <p:nvPr/>
+        </p:nvSpPr>
+        <p:spPr>
+          <a:xfrm>
+            <a:off x="762000" y="4800600"/>
+            <a:ext cx="7678577" cy="646331"/>
+          </a:xfrm>
+          <a:prstGeom prst="rect">
+            <a:avLst/>
+          </a:prstGeom>
+          <a:noFill/>
+        </p:spPr>
+        <p:txBody>
+          <a:bodyPr wrap="none" rtlCol="0">
+            <a:spAutoFit/>
+          </a:bodyPr>
+          <a:lstStyle/>
+          <a:p>
+            <a:r>
+              <a:rPr lang="en-US" dirty="0" smtClean="0"/>
+              <a:t>The book argues to favor synchronized over </a:t>
+            </a:r>
+            <a:r>
+              <a:rPr lang="en-US" dirty="0" err="1" smtClean="0"/>
+              <a:t>ReentrantLock</a:t>
+            </a:r>
+            <a:r>
+              <a:rPr lang="en-US" dirty="0" smtClean="0"/>
+              <a:t> because it is simpler </a:t>
+            </a:r>
+          </a:p>
+          <a:p>
+            <a:r>
+              <a:rPr lang="en-US" dirty="0" smtClean="0"/>
+              <a:t>(you don’t have to manage the unlock in a finally block)</a:t>
+            </a:r>
+            <a:endParaRPr lang="en-US" dirty="0"/>
+          </a:p>
+        </p:txBody>
+      </p:sp>
+    </p:spTree>
+  </p:cSld>
+  <p:clrMapOvr>
+    <a:masterClrMapping/>
+  </p:clrMapOvr>
+  <p:timing>
+    <p:tnLst>
+      <p:par>
+        <p:cTn id="1" dur="indefinite" restart="never" nodeType="tmRoot"/>
+      </p:par>
+    </p:tnLst>
+  </p:timing>
+</p:sld>
+</file>
+
+<file path=ppt/slides/slide18.xml><?xml version="1.0" encoding="utf-8"?>
+<p:sld xmlns:a="http://schemas.openxmlformats.org/drawingml/2006/main" xmlns:r="http://schemas.openxmlformats.org/officeDocument/2006/relationships" xmlns:p="http://schemas.openxmlformats.org/presentationml/2006/main">
+  <p:cSld>
+    <p:spTree>
+      <p:nvGrpSpPr>
+        <p:cNvPr id="1" name=""/>
+        <p:cNvGrpSpPr/>
+        <p:nvPr/>
+      </p:nvGrpSpPr>
+      <p:grpSpPr>
+        <a:xfrm>
+          <a:off x="0" y="0"/>
+          <a:ext cx="0" cy="0"/>
+          <a:chOff x="0" y="0"/>
+          <a:chExt cx="0" cy="0"/>
+        </a:xfrm>
+      </p:grpSpPr>
+      <p:sp>
+        <p:nvSpPr>
+          <p:cNvPr id="4" name="TextBox 3"/>
+          <p:cNvSpPr txBox="1"/>
+          <p:nvPr/>
+        </p:nvSpPr>
+        <p:spPr>
+          <a:xfrm>
             <a:off x="609600" y="1323975"/>
             <a:ext cx="3028393" cy="369332"/>
           </a:xfrm>
@@ -5651,10 +5772,17 @@
   <p:clrMapOvr>
     <a:masterClrMapping/>
   </p:clrMapOvr>
+  <p:timing>
+    <p:tnLst>
+      <p:par>
+        <p:cTn id="1" dur="indefinite" restart="never" nodeType="tmRoot"/>
+      </p:par>
+    </p:tnLst>
+  </p:timing>
 </p:sld>
 </file>
 
-<file path=ppt/slides/slide18.xml><?xml version="1.0" encoding="utf-8"?>
+<file path=ppt/slides/slide19.xml><?xml version="1.0" encoding="utf-8"?>
 <p:sld xmlns:a="http://schemas.openxmlformats.org/drawingml/2006/main" xmlns:r="http://schemas.openxmlformats.org/officeDocument/2006/relationships" xmlns:p="http://schemas.openxmlformats.org/presentationml/2006/main">
   <p:cSld>
     <p:spTree>
@@ -6159,10 +6287,206 @@
   <p:clrMapOvr>
     <a:masterClrMapping/>
   </p:clrMapOvr>
+  <p:timing>
+    <p:tnLst>
+      <p:par>
+        <p:cTn id="1" dur="indefinite" restart="never" nodeType="tmRoot"/>
+      </p:par>
+    </p:tnLst>
+  </p:timing>
 </p:sld>
 </file>
 
-<file path=ppt/slides/slide19.xml><?xml version="1.0" encoding="utf-8"?>
+<file path=ppt/slides/slide2.xml><?xml version="1.0" encoding="utf-8"?>
+<p:sld xmlns:a="http://schemas.openxmlformats.org/drawingml/2006/main" xmlns:r="http://schemas.openxmlformats.org/officeDocument/2006/relationships" xmlns:p="http://schemas.openxmlformats.org/presentationml/2006/main">
+  <p:cSld>
+    <p:spTree>
+      <p:nvGrpSpPr>
+        <p:cNvPr id="1" name=""/>
+        <p:cNvGrpSpPr/>
+        <p:nvPr/>
+      </p:nvGrpSpPr>
+      <p:grpSpPr>
+        <a:xfrm>
+          <a:off x="0" y="0"/>
+          <a:ext cx="0" cy="0"/>
+          <a:chOff x="0" y="0"/>
+          <a:chExt cx="0" cy="0"/>
+        </a:xfrm>
+      </p:grpSpPr>
+      <p:sp>
+        <p:nvSpPr>
+          <p:cNvPr id="4" name="TextBox 3"/>
+          <p:cNvSpPr txBox="1"/>
+          <p:nvPr/>
+        </p:nvSpPr>
+        <p:spPr>
+          <a:xfrm>
+            <a:off x="457200" y="76200"/>
+            <a:ext cx="7696200" cy="369332"/>
+          </a:xfrm>
+          <a:prstGeom prst="rect">
+            <a:avLst/>
+          </a:prstGeom>
+          <a:noFill/>
+        </p:spPr>
+        <p:txBody>
+          <a:bodyPr wrap="square" rtlCol="0">
+            <a:spAutoFit/>
+          </a:bodyPr>
+          <a:lstStyle/>
+          <a:p>
+            <a:r>
+              <a:rPr lang="en-US" dirty="0" smtClean="0"/>
+              <a:t>Not to be confused with </a:t>
+            </a:r>
+            <a:r>
+              <a:rPr lang="en-US" dirty="0" err="1" smtClean="0"/>
+              <a:t>Deathlok</a:t>
+            </a:r>
+            <a:r>
+              <a:rPr lang="en-US" dirty="0" smtClean="0"/>
+              <a:t> </a:t>
+            </a:r>
+            <a:endParaRPr lang="en-US" dirty="0"/>
+          </a:p>
+        </p:txBody>
+      </p:sp>
+      <p:sp>
+        <p:nvSpPr>
+          <p:cNvPr id="5" name="Rectangle 4"/>
+          <p:cNvSpPr/>
+          <p:nvPr/>
+        </p:nvSpPr>
+        <p:spPr>
+          <a:xfrm>
+            <a:off x="304800" y="6488668"/>
+            <a:ext cx="7010400" cy="369332"/>
+          </a:xfrm>
+          <a:prstGeom prst="rect">
+            <a:avLst/>
+          </a:prstGeom>
+        </p:spPr>
+        <p:txBody>
+          <a:bodyPr wrap="square">
+            <a:spAutoFit/>
+          </a:bodyPr>
+          <a:lstStyle/>
+          <a:p>
+            <a:r>
+              <a:rPr lang="en-US" dirty="0" smtClean="0"/>
+              <a:t>http://marvel.com/universe/Deathlok_(Michael_Collins)</a:t>
+            </a:r>
+            <a:endParaRPr lang="en-US" dirty="0"/>
+          </a:p>
+        </p:txBody>
+      </p:sp>
+      <p:pic>
+        <p:nvPicPr>
+          <p:cNvPr id="1026" name="Picture 2"/>
+          <p:cNvPicPr>
+            <a:picLocks noChangeAspect="1" noChangeArrowheads="1"/>
+          </p:cNvPicPr>
+          <p:nvPr/>
+        </p:nvPicPr>
+        <p:blipFill>
+          <a:blip r:embed="rId2" cstate="print"/>
+          <a:srcRect/>
+          <a:stretch>
+            <a:fillRect/>
+          </a:stretch>
+        </p:blipFill>
+        <p:spPr bwMode="auto">
+          <a:xfrm>
+            <a:off x="206966" y="533401"/>
+            <a:ext cx="5050834" cy="5003482"/>
+          </a:xfrm>
+          <a:prstGeom prst="rect">
+            <a:avLst/>
+          </a:prstGeom>
+          <a:noFill/>
+          <a:ln w="9525">
+            <a:noFill/>
+            <a:miter lim="800000"/>
+            <a:headEnd/>
+            <a:tailEnd/>
+          </a:ln>
+        </p:spPr>
+      </p:pic>
+      <p:pic>
+        <p:nvPicPr>
+          <p:cNvPr id="1027" name="Picture 3"/>
+          <p:cNvPicPr>
+            <a:picLocks noChangeAspect="1" noChangeArrowheads="1"/>
+          </p:cNvPicPr>
+          <p:nvPr/>
+        </p:nvPicPr>
+        <p:blipFill>
+          <a:blip r:embed="rId3" cstate="print"/>
+          <a:srcRect/>
+          <a:stretch>
+            <a:fillRect/>
+          </a:stretch>
+        </p:blipFill>
+        <p:spPr bwMode="auto">
+          <a:xfrm>
+            <a:off x="5334001" y="1"/>
+            <a:ext cx="3048000" cy="4623194"/>
+          </a:xfrm>
+          <a:prstGeom prst="rect">
+            <a:avLst/>
+          </a:prstGeom>
+          <a:noFill/>
+          <a:ln w="9525">
+            <a:noFill/>
+            <a:miter lim="800000"/>
+            <a:headEnd/>
+            <a:tailEnd/>
+          </a:ln>
+        </p:spPr>
+      </p:pic>
+      <p:pic>
+        <p:nvPicPr>
+          <p:cNvPr id="1029" name="Picture 5" descr="http://x.annihil.us/u/prod/marvel/i/mg/4/40/5328c9975ed43.jpg"/>
+          <p:cNvPicPr>
+            <a:picLocks noChangeAspect="1" noChangeArrowheads="1"/>
+          </p:cNvPicPr>
+          <p:nvPr/>
+        </p:nvPicPr>
+        <p:blipFill>
+          <a:blip r:embed="rId4" cstate="print"/>
+          <a:srcRect/>
+          <a:stretch>
+            <a:fillRect/>
+          </a:stretch>
+        </p:blipFill>
+        <p:spPr bwMode="auto">
+          <a:xfrm>
+            <a:off x="7086600" y="4876800"/>
+            <a:ext cx="1219200" cy="1830954"/>
+          </a:xfrm>
+          <a:prstGeom prst="rect">
+            <a:avLst/>
+          </a:prstGeom>
+          <a:noFill/>
+        </p:spPr>
+      </p:pic>
+    </p:spTree>
+  </p:cSld>
+  <p:clrMapOvr>
+    <a:masterClrMapping/>
+  </p:clrMapOvr>
+  <p:timing>
+    <p:tnLst>
+      <p:par>
+        <p:cTn id="1" dur="indefinite" restart="never" nodeType="tmRoot"/>
+      </p:par>
+    </p:tnLst>
+  </p:timing>
+</p:sld>
+</file>
+
+<file path=ppt/slides/slide20.xml><?xml version="1.0" encoding="utf-8"?>
 <p:sld xmlns:a="http://schemas.openxmlformats.org/drawingml/2006/main" xmlns:r="http://schemas.openxmlformats.org/officeDocument/2006/relationships" xmlns:p="http://schemas.openxmlformats.org/presentationml/2006/main">
   <p:cSld>
     <p:spTree>
@@ -6320,10 +6644,192 @@
   <p:clrMapOvr>
     <a:masterClrMapping/>
   </p:clrMapOvr>
+  <p:timing>
+    <p:tnLst>
+      <p:par>
+        <p:cTn id="1" dur="indefinite" restart="never" nodeType="tmRoot"/>
+      </p:par>
+    </p:tnLst>
+  </p:timing>
 </p:sld>
 </file>
 
-<file path=ppt/slides/slide2.xml><?xml version="1.0" encoding="utf-8"?>
+<file path=ppt/slides/slide21.xml><?xml version="1.0" encoding="utf-8"?>
+<p:sld xmlns:a="http://schemas.openxmlformats.org/drawingml/2006/main" xmlns:r="http://schemas.openxmlformats.org/officeDocument/2006/relationships" xmlns:p="http://schemas.openxmlformats.org/presentationml/2006/main">
+  <p:cSld>
+    <p:spTree>
+      <p:nvGrpSpPr>
+        <p:cNvPr id="1" name=""/>
+        <p:cNvGrpSpPr/>
+        <p:nvPr/>
+      </p:nvGrpSpPr>
+      <p:grpSpPr>
+        <a:xfrm>
+          <a:off x="0" y="0"/>
+          <a:ext cx="0" cy="0"/>
+          <a:chOff x="0" y="0"/>
+          <a:chExt cx="0" cy="0"/>
+        </a:xfrm>
+      </p:grpSpPr>
+      <p:sp>
+        <p:nvSpPr>
+          <p:cNvPr id="2" name="TextBox 1"/>
+          <p:cNvSpPr txBox="1"/>
+          <p:nvPr/>
+        </p:nvSpPr>
+        <p:spPr>
+          <a:xfrm>
+            <a:off x="838200" y="1066800"/>
+            <a:ext cx="8229369" cy="5078313"/>
+          </a:xfrm>
+          <a:prstGeom prst="rect">
+            <a:avLst/>
+          </a:prstGeom>
+          <a:noFill/>
+        </p:spPr>
+        <p:txBody>
+          <a:bodyPr wrap="none" rtlCol="0">
+            <a:spAutoFit/>
+          </a:bodyPr>
+          <a:lstStyle/>
+          <a:p>
+            <a:r>
+              <a:rPr lang="en-US" dirty="0" smtClean="0"/>
+              <a:t>The easiest way to avoid deadlock.   </a:t>
+            </a:r>
+          </a:p>
+          <a:p>
+            <a:endParaRPr lang="en-US" dirty="0" smtClean="0"/>
+          </a:p>
+          <a:p>
+            <a:r>
+              <a:rPr lang="en-US" dirty="0" smtClean="0"/>
+              <a:t>	Don’t hold more than one lock at a time.</a:t>
+            </a:r>
+          </a:p>
+          <a:p>
+            <a:r>
+              <a:rPr lang="en-US" dirty="0" smtClean="0"/>
+              <a:t>	Immutable objects don’t need to be locked!</a:t>
+            </a:r>
+          </a:p>
+          <a:p>
+            <a:endParaRPr lang="en-US" dirty="0" smtClean="0"/>
+          </a:p>
+          <a:p>
+            <a:r>
+              <a:rPr lang="en-US" dirty="0" smtClean="0"/>
+              <a:t>	Avoid open calls; try not to call new functions with the lock held.</a:t>
+            </a:r>
+          </a:p>
+          <a:p>
+            <a:r>
+              <a:rPr lang="en-US" dirty="0" smtClean="0"/>
+              <a:t>	If that function tries to grab another lock, the potential is there for deadlock</a:t>
+            </a:r>
+          </a:p>
+          <a:p>
+            <a:endParaRPr lang="en-US" dirty="0" smtClean="0"/>
+          </a:p>
+          <a:p>
+            <a:r>
+              <a:rPr lang="en-US" dirty="0" smtClean="0"/>
+              <a:t>	Methods like:</a:t>
+            </a:r>
+          </a:p>
+          <a:p>
+            <a:endParaRPr lang="en-US" dirty="0" smtClean="0"/>
+          </a:p>
+          <a:p>
+            <a:r>
+              <a:rPr lang="en-US" dirty="0" smtClean="0"/>
+              <a:t>	public synchronized void </a:t>
+            </a:r>
+            <a:r>
+              <a:rPr lang="en-US" dirty="0" err="1" smtClean="0"/>
+              <a:t>setVal</a:t>
+            </a:r>
+            <a:r>
+              <a:rPr lang="en-US" dirty="0" smtClean="0"/>
+              <a:t>(double </a:t>
+            </a:r>
+            <a:r>
+              <a:rPr lang="en-US" dirty="0" err="1" smtClean="0"/>
+              <a:t>newVal</a:t>
+            </a:r>
+            <a:r>
+              <a:rPr lang="en-US" dirty="0" smtClean="0"/>
+              <a:t>)</a:t>
+            </a:r>
+          </a:p>
+          <a:p>
+            <a:r>
+              <a:rPr lang="en-US" dirty="0" smtClean="0"/>
+              <a:t>	{</a:t>
+            </a:r>
+          </a:p>
+          <a:p>
+            <a:r>
+              <a:rPr lang="en-US" dirty="0" smtClean="0"/>
+              <a:t>		this.val = </a:t>
+            </a:r>
+            <a:r>
+              <a:rPr lang="en-US" dirty="0" err="1" smtClean="0"/>
+              <a:t>newVal</a:t>
+            </a:r>
+            <a:r>
+              <a:rPr lang="en-US" dirty="0" smtClean="0"/>
+              <a:t>;</a:t>
+            </a:r>
+            <a:br>
+              <a:rPr lang="en-US" dirty="0" smtClean="0"/>
+            </a:br>
+            <a:r>
+              <a:rPr lang="en-US" dirty="0" smtClean="0"/>
+              <a:t>	}</a:t>
+            </a:r>
+          </a:p>
+          <a:p>
+            <a:endParaRPr lang="en-US" dirty="0" smtClean="0"/>
+          </a:p>
+          <a:p>
+            <a:r>
+              <a:rPr lang="en-US" dirty="0" smtClean="0"/>
+              <a:t>	don’t make an open call and doesn’t hold a second lock</a:t>
+            </a:r>
+          </a:p>
+          <a:p>
+            <a:endParaRPr lang="en-US" dirty="0" smtClean="0"/>
+          </a:p>
+          <a:p>
+            <a:r>
+              <a:rPr lang="en-US" dirty="0" smtClean="0"/>
+              <a:t>	If you have to hold multiple locks, consider a </a:t>
+            </a:r>
+            <a:r>
+              <a:rPr lang="en-US" dirty="0" err="1" smtClean="0"/>
+              <a:t>Ren</a:t>
+            </a:r>
+            <a:endParaRPr lang="en-US" dirty="0" smtClean="0"/>
+          </a:p>
+        </p:txBody>
+      </p:sp>
+    </p:spTree>
+  </p:cSld>
+  <p:clrMapOvr>
+    <a:masterClrMapping/>
+  </p:clrMapOvr>
+  <p:timing>
+    <p:tnLst>
+      <p:par>
+        <p:cTn id="1" dur="indefinite" restart="never" nodeType="tmRoot"/>
+      </p:par>
+    </p:tnLst>
+  </p:timing>
+</p:sld>
+</file>
+
+<file path=ppt/slides/slide3.xml><?xml version="1.0" encoding="utf-8"?>
 <p:sld xmlns:a="http://schemas.openxmlformats.org/drawingml/2006/main" xmlns:r="http://schemas.openxmlformats.org/officeDocument/2006/relationships" xmlns:p="http://schemas.openxmlformats.org/presentationml/2006/main">
   <p:cSld>
     <p:spTree>
@@ -6452,191 +6958,17 @@
   <p:clrMapOvr>
     <a:masterClrMapping/>
   </p:clrMapOvr>
+  <p:timing>
+    <p:tnLst>
+      <p:par>
+        <p:cTn id="1" dur="indefinite" restart="never" nodeType="tmRoot"/>
+      </p:par>
+    </p:tnLst>
+  </p:timing>
 </p:sld>
 </file>
 
-<file path=ppt/slides/slide20.xml><?xml version="1.0" encoding="utf-8"?>
-<p:sld xmlns:a="http://schemas.openxmlformats.org/drawingml/2006/main" xmlns:r="http://schemas.openxmlformats.org/officeDocument/2006/relationships" xmlns:p="http://schemas.openxmlformats.org/presentationml/2006/main">
-  <p:cSld>
-    <p:spTree>
-      <p:nvGrpSpPr>
-        <p:cNvPr id="1" name=""/>
-        <p:cNvGrpSpPr/>
-        <p:nvPr/>
-      </p:nvGrpSpPr>
-      <p:grpSpPr>
-        <a:xfrm>
-          <a:off x="0" y="0"/>
-          <a:ext cx="0" cy="0"/>
-          <a:chOff x="0" y="0"/>
-          <a:chExt cx="0" cy="0"/>
-        </a:xfrm>
-      </p:grpSpPr>
-      <p:sp>
-        <p:nvSpPr>
-          <p:cNvPr id="2" name="TextBox 1"/>
-          <p:cNvSpPr txBox="1"/>
-          <p:nvPr/>
-        </p:nvSpPr>
-        <p:spPr>
-          <a:xfrm>
-            <a:off x="838200" y="1066800"/>
-            <a:ext cx="8229369" cy="5078313"/>
-          </a:xfrm>
-          <a:prstGeom prst="rect">
-            <a:avLst/>
-          </a:prstGeom>
-          <a:noFill/>
-        </p:spPr>
-        <p:txBody>
-          <a:bodyPr wrap="none" rtlCol="0">
-            <a:spAutoFit/>
-          </a:bodyPr>
-          <a:lstStyle/>
-          <a:p>
-            <a:r>
-              <a:rPr lang="en-US" dirty="0" smtClean="0"/>
-              <a:t>The easiest way to avoid deadlock.   </a:t>
-            </a:r>
-          </a:p>
-          <a:p>
-            <a:endParaRPr lang="en-US" dirty="0" smtClean="0"/>
-          </a:p>
-          <a:p>
-            <a:r>
-              <a:rPr lang="en-US" dirty="0" smtClean="0"/>
-              <a:t>	Don’t hold more than one lock at a time.</a:t>
-            </a:r>
-          </a:p>
-          <a:p>
-            <a:r>
-              <a:rPr lang="en-US" dirty="0" smtClean="0"/>
-              <a:t>	Immutable objects don’t need to be locked!</a:t>
-            </a:r>
-          </a:p>
-          <a:p>
-            <a:endParaRPr lang="en-US" dirty="0" smtClean="0"/>
-          </a:p>
-          <a:p>
-            <a:r>
-              <a:rPr lang="en-US" dirty="0" smtClean="0"/>
-              <a:t>	Avoid open </a:t>
-            </a:r>
-            <a:r>
-              <a:rPr lang="en-US" dirty="0" smtClean="0"/>
-              <a:t>calls; try not to call new functions with the lock held.</a:t>
-            </a:r>
-          </a:p>
-          <a:p>
-            <a:r>
-              <a:rPr lang="en-US" dirty="0" smtClean="0"/>
-              <a:t>	</a:t>
-            </a:r>
-            <a:r>
-              <a:rPr lang="en-US" dirty="0" smtClean="0"/>
-              <a:t>If that function tries to grab another lock, the potential is there for deadlock</a:t>
-            </a:r>
-            <a:endParaRPr lang="en-US" dirty="0" smtClean="0"/>
-          </a:p>
-          <a:p>
-            <a:endParaRPr lang="en-US" dirty="0" smtClean="0"/>
-          </a:p>
-          <a:p>
-            <a:r>
-              <a:rPr lang="en-US" dirty="0" smtClean="0"/>
-              <a:t>	Methods like:</a:t>
-            </a:r>
-          </a:p>
-          <a:p>
-            <a:endParaRPr lang="en-US" dirty="0" smtClean="0"/>
-          </a:p>
-          <a:p>
-            <a:r>
-              <a:rPr lang="en-US" dirty="0" smtClean="0"/>
-              <a:t>	public synchronized void </a:t>
-            </a:r>
-            <a:r>
-              <a:rPr lang="en-US" dirty="0" err="1" smtClean="0"/>
-              <a:t>setVal</a:t>
-            </a:r>
-            <a:r>
-              <a:rPr lang="en-US" dirty="0" smtClean="0"/>
-              <a:t>(double </a:t>
-            </a:r>
-            <a:r>
-              <a:rPr lang="en-US" dirty="0" err="1" smtClean="0"/>
-              <a:t>newVal</a:t>
-            </a:r>
-            <a:r>
-              <a:rPr lang="en-US" dirty="0" smtClean="0"/>
-              <a:t>)</a:t>
-            </a:r>
-          </a:p>
-          <a:p>
-            <a:r>
-              <a:rPr lang="en-US" dirty="0" smtClean="0"/>
-              <a:t>	{</a:t>
-            </a:r>
-          </a:p>
-          <a:p>
-            <a:r>
-              <a:rPr lang="en-US" dirty="0" smtClean="0"/>
-              <a:t>		this.val = </a:t>
-            </a:r>
-            <a:r>
-              <a:rPr lang="en-US" dirty="0" err="1" smtClean="0"/>
-              <a:t>newVal</a:t>
-            </a:r>
-            <a:r>
-              <a:rPr lang="en-US" dirty="0" smtClean="0"/>
-              <a:t>;</a:t>
-            </a:r>
-            <a:br>
-              <a:rPr lang="en-US" dirty="0" smtClean="0"/>
-            </a:br>
-            <a:r>
-              <a:rPr lang="en-US" dirty="0" smtClean="0"/>
-              <a:t>	}</a:t>
-            </a:r>
-          </a:p>
-          <a:p>
-            <a:endParaRPr lang="en-US" dirty="0" smtClean="0"/>
-          </a:p>
-          <a:p>
-            <a:r>
-              <a:rPr lang="en-US" dirty="0" smtClean="0"/>
-              <a:t>	don’t make an open call and doesn’t hold a second </a:t>
-            </a:r>
-            <a:r>
-              <a:rPr lang="en-US" dirty="0" smtClean="0"/>
-              <a:t>lock</a:t>
-            </a:r>
-          </a:p>
-          <a:p>
-            <a:endParaRPr lang="en-US" dirty="0" smtClean="0"/>
-          </a:p>
-          <a:p>
-            <a:r>
-              <a:rPr lang="en-US" dirty="0" smtClean="0"/>
-              <a:t>	If you have to hold multiple locks, consider a </a:t>
-            </a:r>
-            <a:r>
-              <a:rPr lang="en-US" dirty="0" err="1" smtClean="0"/>
-              <a:t>Ren</a:t>
-            </a:r>
-            <a:endParaRPr lang="en-US" dirty="0" smtClean="0"/>
-          </a:p>
-        </p:txBody>
-      </p:sp>
-    </p:spTree>
-  </p:cSld>
-  <p:clrMapOvr>
-    <a:masterClrMapping/>
-  </p:clrMapOvr>
-</p:sld>
-</file>
-
-<file path=ppt/slides/slide3.xml><?xml version="1.0" encoding="utf-8"?>
+<file path=ppt/slides/slide4.xml><?xml version="1.0" encoding="utf-8"?>
 <p:sld xmlns:a="http://schemas.openxmlformats.org/drawingml/2006/main" xmlns:r="http://schemas.openxmlformats.org/officeDocument/2006/relationships" xmlns:p="http://schemas.openxmlformats.org/presentationml/2006/main">
   <p:cSld>
     <p:spTree>
@@ -6754,10 +7086,17 @@
   <p:clrMapOvr>
     <a:masterClrMapping/>
   </p:clrMapOvr>
+  <p:timing>
+    <p:tnLst>
+      <p:par>
+        <p:cTn id="1" dur="indefinite" restart="never" nodeType="tmRoot"/>
+      </p:par>
+    </p:tnLst>
+  </p:timing>
 </p:sld>
 </file>
 
-<file path=ppt/slides/slide4.xml><?xml version="1.0" encoding="utf-8"?>
+<file path=ppt/slides/slide5.xml><?xml version="1.0" encoding="utf-8"?>
 <p:sld xmlns:a="http://schemas.openxmlformats.org/drawingml/2006/main" xmlns:r="http://schemas.openxmlformats.org/officeDocument/2006/relationships" xmlns:p="http://schemas.openxmlformats.org/presentationml/2006/main">
   <p:cSld>
     <p:spTree>
@@ -6849,10 +7188,17 @@
   <p:clrMapOvr>
     <a:masterClrMapping/>
   </p:clrMapOvr>
+  <p:timing>
+    <p:tnLst>
+      <p:par>
+        <p:cTn id="1" dur="indefinite" restart="never" nodeType="tmRoot"/>
+      </p:par>
+    </p:tnLst>
+  </p:timing>
 </p:sld>
 </file>
 
-<file path=ppt/slides/slide5.xml><?xml version="1.0" encoding="utf-8"?>
+<file path=ppt/slides/slide6.xml><?xml version="1.0" encoding="utf-8"?>
 <p:sld xmlns:a="http://schemas.openxmlformats.org/drawingml/2006/main" xmlns:r="http://schemas.openxmlformats.org/officeDocument/2006/relationships" xmlns:p="http://schemas.openxmlformats.org/presentationml/2006/main">
   <p:cSld>
     <p:spTree>
@@ -6936,10 +7282,17 @@
   <p:clrMapOvr>
     <a:masterClrMapping/>
   </p:clrMapOvr>
+  <p:timing>
+    <p:tnLst>
+      <p:par>
+        <p:cTn id="1" dur="indefinite" restart="never" nodeType="tmRoot"/>
+      </p:par>
+    </p:tnLst>
+  </p:timing>
 </p:sld>
 </file>
 
-<file path=ppt/slides/slide6.xml><?xml version="1.0" encoding="utf-8"?>
+<file path=ppt/slides/slide7.xml><?xml version="1.0" encoding="utf-8"?>
 <p:sld xmlns:a="http://schemas.openxmlformats.org/drawingml/2006/main" xmlns:r="http://schemas.openxmlformats.org/officeDocument/2006/relationships" xmlns:p="http://schemas.openxmlformats.org/presentationml/2006/main">
   <p:cSld>
     <p:spTree>
@@ -7110,10 +7463,17 @@
   <p:clrMapOvr>
     <a:masterClrMapping/>
   </p:clrMapOvr>
+  <p:timing>
+    <p:tnLst>
+      <p:par>
+        <p:cTn id="1" dur="indefinite" restart="never" nodeType="tmRoot"/>
+      </p:par>
+    </p:tnLst>
+  </p:timing>
 </p:sld>
 </file>
 
-<file path=ppt/slides/slide7.xml><?xml version="1.0" encoding="utf-8"?>
+<file path=ppt/slides/slide8.xml><?xml version="1.0" encoding="utf-8"?>
 <p:sld xmlns:a="http://schemas.openxmlformats.org/drawingml/2006/main" xmlns:r="http://schemas.openxmlformats.org/officeDocument/2006/relationships" xmlns:p="http://schemas.openxmlformats.org/presentationml/2006/main">
   <p:cSld>
     <p:spTree>
@@ -7233,10 +7593,17 @@
   <p:clrMapOvr>
     <a:masterClrMapping/>
   </p:clrMapOvr>
+  <p:timing>
+    <p:tnLst>
+      <p:par>
+        <p:cTn id="1" dur="indefinite" restart="never" nodeType="tmRoot"/>
+      </p:par>
+    </p:tnLst>
+  </p:timing>
 </p:sld>
 </file>
 
-<file path=ppt/slides/slide8.xml><?xml version="1.0" encoding="utf-8"?>
+<file path=ppt/slides/slide9.xml><?xml version="1.0" encoding="utf-8"?>
 <p:sld xmlns:a="http://schemas.openxmlformats.org/drawingml/2006/main" xmlns:r="http://schemas.openxmlformats.org/officeDocument/2006/relationships" xmlns:p="http://schemas.openxmlformats.org/presentationml/2006/main">
   <p:cSld>
     <p:spTree>
@@ -7671,63 +8038,13 @@
   <p:clrMapOvr>
     <a:masterClrMapping/>
   </p:clrMapOvr>
-</p:sld>
-</file>
-
-<file path=ppt/slides/slide9.xml><?xml version="1.0" encoding="utf-8"?>
-<p:sld xmlns:a="http://schemas.openxmlformats.org/drawingml/2006/main" xmlns:r="http://schemas.openxmlformats.org/officeDocument/2006/relationships" xmlns:p="http://schemas.openxmlformats.org/presentationml/2006/main">
-  <p:cSld>
-    <p:spTree>
-      <p:nvGrpSpPr>
-        <p:cNvPr id="1" name=""/>
-        <p:cNvGrpSpPr/>
-        <p:nvPr/>
-      </p:nvGrpSpPr>
-      <p:grpSpPr>
-        <a:xfrm>
-          <a:off x="0" y="0"/>
-          <a:ext cx="0" cy="0"/>
-          <a:chOff x="0" y="0"/>
-          <a:chExt cx="0" cy="0"/>
-        </a:xfrm>
-      </p:grpSpPr>
-      <p:pic>
-        <p:nvPicPr>
-          <p:cNvPr id="5123" name="Picture 3"/>
-          <p:cNvPicPr>
-            <a:picLocks noChangeAspect="1" noChangeArrowheads="1"/>
-          </p:cNvPicPr>
-          <p:nvPr/>
-        </p:nvPicPr>
-        <p:blipFill>
-          <a:blip r:embed="rId3" cstate="print"/>
-          <a:srcRect/>
-          <a:stretch>
-            <a:fillRect/>
-          </a:stretch>
-        </p:blipFill>
-        <p:spPr bwMode="auto">
-          <a:xfrm>
-            <a:off x="0" y="304800"/>
-            <a:ext cx="9144000" cy="6013991"/>
-          </a:xfrm>
-          <a:prstGeom prst="rect">
-            <a:avLst/>
-          </a:prstGeom>
-          <a:noFill/>
-          <a:ln w="9525">
-            <a:noFill/>
-            <a:miter lim="800000"/>
-            <a:headEnd/>
-            <a:tailEnd/>
-          </a:ln>
-        </p:spPr>
-      </p:pic>
-    </p:spTree>
-  </p:cSld>
-  <p:clrMapOvr>
-    <a:masterClrMapping/>
-  </p:clrMapOvr>
+  <p:timing>
+    <p:tnLst>
+      <p:par>
+        <p:cTn id="1" dur="indefinite" restart="never" nodeType="tmRoot"/>
+      </p:par>
+    </p:tnLst>
+  </p:timing>
 </p:sld>
 </file>
 
